--- a/BDAT1004_Group7.pptx
+++ b/BDAT1004_Group7.pptx
@@ -10,11 +10,11 @@
     <p:sldId id="258" r:id="rId4"/>
     <p:sldId id="259" r:id="rId5"/>
     <p:sldId id="260" r:id="rId6"/>
-    <p:sldId id="261" r:id="rId7"/>
+    <p:sldId id="268" r:id="rId7"/>
     <p:sldId id="266" r:id="rId8"/>
     <p:sldId id="264" r:id="rId9"/>
     <p:sldId id="267" r:id="rId10"/>
-    <p:sldId id="268" r:id="rId11"/>
+    <p:sldId id="261" r:id="rId11"/>
     <p:sldId id="262" r:id="rId12"/>
     <p:sldId id="263" r:id="rId13"/>
     <p:sldId id="265" r:id="rId14"/>
@@ -116,6 +116,11 @@
       </a:defRPr>
     </a:lvl9pPr>
   </p:defaultTextStyle>
+  <p:extLst>
+    <p:ext uri="{EFAFB233-063F-42B5-8137-9DF3F51BA10A}">
+      <p15:sldGuideLst xmlns:p15="http://schemas.microsoft.com/office/powerpoint/2012/main"/>
+    </p:ext>
+  </p:extLst>
 </p:presentation>
 </file>
 
@@ -1373,7 +1378,7 @@
           <a:p>
             <a:fld id="{1CE989D4-1781-4105-88C3-3D10BB30014F}" type="datetimeFigureOut">
               <a:rPr lang="en-US" smtClean="0"/>
-              <a:t>4/15/2022</a:t>
+              <a:t>4/16/2022</a:t>
             </a:fld>
             <a:endParaRPr lang="en-US"/>
           </a:p>
@@ -1624,7 +1629,7 @@
           <a:p>
             <a:fld id="{1CE989D4-1781-4105-88C3-3D10BB30014F}" type="datetimeFigureOut">
               <a:rPr lang="en-US" smtClean="0"/>
-              <a:t>4/15/2022</a:t>
+              <a:t>4/16/2022</a:t>
             </a:fld>
             <a:endParaRPr lang="en-US"/>
           </a:p>
@@ -1938,7 +1943,7 @@
           <a:p>
             <a:fld id="{1CE989D4-1781-4105-88C3-3D10BB30014F}" type="datetimeFigureOut">
               <a:rPr lang="en-US" smtClean="0"/>
-              <a:t>4/15/2022</a:t>
+              <a:t>4/16/2022</a:t>
             </a:fld>
             <a:endParaRPr lang="en-US"/>
           </a:p>
@@ -2279,7 +2284,7 @@
           <a:p>
             <a:fld id="{1CE989D4-1781-4105-88C3-3D10BB30014F}" type="datetimeFigureOut">
               <a:rPr lang="en-US" smtClean="0"/>
-              <a:t>4/15/2022</a:t>
+              <a:t>4/16/2022</a:t>
             </a:fld>
             <a:endParaRPr lang="en-US"/>
           </a:p>
@@ -2593,7 +2598,7 @@
           <a:p>
             <a:fld id="{1CE989D4-1781-4105-88C3-3D10BB30014F}" type="datetimeFigureOut">
               <a:rPr lang="en-US" smtClean="0"/>
-              <a:t>4/15/2022</a:t>
+              <a:t>4/16/2022</a:t>
             </a:fld>
             <a:endParaRPr lang="en-US"/>
           </a:p>
@@ -2986,7 +2991,7 @@
           <a:p>
             <a:fld id="{1CE989D4-1781-4105-88C3-3D10BB30014F}" type="datetimeFigureOut">
               <a:rPr lang="en-US" smtClean="0"/>
-              <a:t>4/15/2022</a:t>
+              <a:t>4/16/2022</a:t>
             </a:fld>
             <a:endParaRPr lang="en-US"/>
           </a:p>
@@ -3156,7 +3161,7 @@
           <a:p>
             <a:fld id="{1CE989D4-1781-4105-88C3-3D10BB30014F}" type="datetimeFigureOut">
               <a:rPr lang="en-US" smtClean="0"/>
-              <a:t>4/15/2022</a:t>
+              <a:t>4/16/2022</a:t>
             </a:fld>
             <a:endParaRPr lang="en-US"/>
           </a:p>
@@ -3336,7 +3341,7 @@
           <a:p>
             <a:fld id="{1CE989D4-1781-4105-88C3-3D10BB30014F}" type="datetimeFigureOut">
               <a:rPr lang="en-US" smtClean="0"/>
-              <a:t>4/15/2022</a:t>
+              <a:t>4/16/2022</a:t>
             </a:fld>
             <a:endParaRPr lang="en-US"/>
           </a:p>
@@ -3512,7 +3517,7 @@
           <a:p>
             <a:fld id="{1CE989D4-1781-4105-88C3-3D10BB30014F}" type="datetimeFigureOut">
               <a:rPr lang="en-US" smtClean="0"/>
-              <a:t>4/15/2022</a:t>
+              <a:t>4/16/2022</a:t>
             </a:fld>
             <a:endParaRPr lang="en-US"/>
           </a:p>
@@ -3759,7 +3764,7 @@
           <a:p>
             <a:fld id="{1CE989D4-1781-4105-88C3-3D10BB30014F}" type="datetimeFigureOut">
               <a:rPr lang="en-US" smtClean="0"/>
-              <a:t>4/15/2022</a:t>
+              <a:t>4/16/2022</a:t>
             </a:fld>
             <a:endParaRPr lang="en-US"/>
           </a:p>
@@ -3991,7 +3996,7 @@
           <a:p>
             <a:fld id="{1CE989D4-1781-4105-88C3-3D10BB30014F}" type="datetimeFigureOut">
               <a:rPr lang="en-US" smtClean="0"/>
-              <a:t>4/15/2022</a:t>
+              <a:t>4/16/2022</a:t>
             </a:fld>
             <a:endParaRPr lang="en-US"/>
           </a:p>
@@ -4365,7 +4370,7 @@
           <a:p>
             <a:fld id="{1CE989D4-1781-4105-88C3-3D10BB30014F}" type="datetimeFigureOut">
               <a:rPr lang="en-US" smtClean="0"/>
-              <a:t>4/15/2022</a:t>
+              <a:t>4/16/2022</a:t>
             </a:fld>
             <a:endParaRPr lang="en-US"/>
           </a:p>
@@ -4488,7 +4493,7 @@
           <a:p>
             <a:fld id="{1CE989D4-1781-4105-88C3-3D10BB30014F}" type="datetimeFigureOut">
               <a:rPr lang="en-US" smtClean="0"/>
-              <a:t>4/15/2022</a:t>
+              <a:t>4/16/2022</a:t>
             </a:fld>
             <a:endParaRPr lang="en-US"/>
           </a:p>
@@ -4583,7 +4588,7 @@
           <a:p>
             <a:fld id="{1CE989D4-1781-4105-88C3-3D10BB30014F}" type="datetimeFigureOut">
               <a:rPr lang="en-US" smtClean="0"/>
-              <a:t>4/15/2022</a:t>
+              <a:t>4/16/2022</a:t>
             </a:fld>
             <a:endParaRPr lang="en-US"/>
           </a:p>
@@ -4838,7 +4843,7 @@
           <a:p>
             <a:fld id="{1CE989D4-1781-4105-88C3-3D10BB30014F}" type="datetimeFigureOut">
               <a:rPr lang="en-US" smtClean="0"/>
-              <a:t>4/15/2022</a:t>
+              <a:t>4/16/2022</a:t>
             </a:fld>
             <a:endParaRPr lang="en-US"/>
           </a:p>
@@ -5101,7 +5106,7 @@
           <a:p>
             <a:fld id="{1CE989D4-1781-4105-88C3-3D10BB30014F}" type="datetimeFigureOut">
               <a:rPr lang="en-US" smtClean="0"/>
-              <a:t>4/15/2022</a:t>
+              <a:t>4/16/2022</a:t>
             </a:fld>
             <a:endParaRPr lang="en-US"/>
           </a:p>
@@ -5844,7 +5849,7 @@
           <a:p>
             <a:fld id="{1CE989D4-1781-4105-88C3-3D10BB30014F}" type="datetimeFigureOut">
               <a:rPr lang="en-US" smtClean="0"/>
-              <a:t>4/15/2022</a:t>
+              <a:t>4/16/2022</a:t>
             </a:fld>
             <a:endParaRPr lang="en-US"/>
           </a:p>
@@ -6541,7 +6546,7 @@
           <p:cNvPr id="2" name="Title 1">
             <a:extLst>
               <a:ext uri="{FF2B5EF4-FFF2-40B4-BE49-F238E27FC236}">
-                <a16:creationId xmlns:a16="http://schemas.microsoft.com/office/drawing/2014/main" id="{C04025CD-895A-4A7B-ACC5-E1C93A6BA724}"/>
+                <a16:creationId xmlns:a16="http://schemas.microsoft.com/office/drawing/2014/main" id="{C9D400BD-992A-474C-A5A1-54793D00BAF8}"/>
               </a:ext>
             </a:extLst>
           </p:cNvPr>
@@ -6566,44 +6571,10 @@
       </p:sp>
       <p:pic>
         <p:nvPicPr>
-          <p:cNvPr id="9" name="Content Placeholder 8" descr="Graphical user interface, application, PowerPoint&#10;&#10;Description automatically generated">
+          <p:cNvPr id="8" name="Picture 7" descr="Logo&#10;&#10;Description automatically generated">
             <a:extLst>
               <a:ext uri="{FF2B5EF4-FFF2-40B4-BE49-F238E27FC236}">
-                <a16:creationId xmlns:a16="http://schemas.microsoft.com/office/drawing/2014/main" id="{F35DB453-E873-489D-92A3-2B417A959129}"/>
-              </a:ext>
-            </a:extLst>
-          </p:cNvPr>
-          <p:cNvPicPr>
-            <a:picLocks noGrp="1" noChangeAspect="1"/>
-          </p:cNvPicPr>
-          <p:nvPr>
-            <p:ph idx="1"/>
-          </p:nvPr>
-        </p:nvPicPr>
-        <p:blipFill rotWithShape="1">
-          <a:blip r:embed="rId2">
-            <a:extLst>
-              <a:ext uri="{28A0092B-C50C-407E-A947-70E740481C1C}">
-                <a14:useLocalDpi xmlns:a14="http://schemas.microsoft.com/office/drawing/2010/main" val="0"/>
-              </a:ext>
-            </a:extLst>
-          </a:blip>
-          <a:srcRect t="8982" r="4036" b="10096"/>
-          <a:stretch/>
-        </p:blipFill>
-        <p:spPr>
-          <a:xfrm>
-            <a:off x="1127334" y="2191657"/>
-            <a:ext cx="7306982" cy="3567698"/>
-          </a:xfrm>
-        </p:spPr>
-      </p:pic>
-      <p:pic>
-        <p:nvPicPr>
-          <p:cNvPr id="10" name="Picture 9" descr="Logo&#10;&#10;Description automatically generated">
-            <a:extLst>
-              <a:ext uri="{FF2B5EF4-FFF2-40B4-BE49-F238E27FC236}">
-                <a16:creationId xmlns:a16="http://schemas.microsoft.com/office/drawing/2014/main" id="{B9CB038C-2481-4ED4-BD29-4E81C8932B19}"/>
+                <a16:creationId xmlns:a16="http://schemas.microsoft.com/office/drawing/2014/main" id="{2390D5F2-96D4-4341-AF9F-7FFFF1290C74}"/>
               </a:ext>
             </a:extLst>
           </p:cNvPr>
@@ -6613,11 +6584,11 @@
           <p:nvPr/>
         </p:nvPicPr>
         <p:blipFill>
-          <a:blip r:embed="rId3">
+          <a:blip r:embed="rId2">
             <a:extLst>
               <a:ext uri="{BEBA8EAE-BF5A-486C-A8C5-ECC9F3942E4B}">
                 <a14:imgProps xmlns:a14="http://schemas.microsoft.com/office/drawing/2010/main">
-                  <a14:imgLayer r:embed="rId4">
+                  <a14:imgLayer r:embed="rId3">
                     <a14:imgEffect>
                       <a14:artisticGlowDiffused/>
                     </a14:imgEffect>
@@ -6628,7 +6599,7 @@
                 <a14:useLocalDpi xmlns:a14="http://schemas.microsoft.com/office/drawing/2010/main" val="0"/>
               </a:ext>
               <a:ext uri="{837473B0-CC2E-450A-ABE3-18F120FF3D39}">
-                <a1611:picAttrSrcUrl xmlns:a1611="http://schemas.microsoft.com/office/drawing/2016/11/main" r:id="rId5"/>
+                <a1611:picAttrSrcUrl xmlns:a1611="http://schemas.microsoft.com/office/drawing/2016/11/main" r:id="rId4"/>
               </a:ext>
             </a:extLst>
           </a:blip>
@@ -6646,10 +6617,44 @@
           </a:prstGeom>
         </p:spPr>
       </p:pic>
+      <p:pic>
+        <p:nvPicPr>
+          <p:cNvPr id="9" name="Content Placeholder 8" descr="Graphical user interface, application, PowerPoint&#10;&#10;Description automatically generated">
+            <a:extLst>
+              <a:ext uri="{FF2B5EF4-FFF2-40B4-BE49-F238E27FC236}">
+                <a16:creationId xmlns:a16="http://schemas.microsoft.com/office/drawing/2014/main" id="{7CBDE840-BB4C-4B74-8C97-91077052D618}"/>
+              </a:ext>
+            </a:extLst>
+          </p:cNvPr>
+          <p:cNvPicPr>
+            <a:picLocks noGrp="1" noChangeAspect="1"/>
+          </p:cNvPicPr>
+          <p:nvPr>
+            <p:ph idx="1"/>
+          </p:nvPr>
+        </p:nvPicPr>
+        <p:blipFill rotWithShape="1">
+          <a:blip r:embed="rId5">
+            <a:extLst>
+              <a:ext uri="{28A0092B-C50C-407E-A947-70E740481C1C}">
+                <a14:useLocalDpi xmlns:a14="http://schemas.microsoft.com/office/drawing/2010/main" val="0"/>
+              </a:ext>
+            </a:extLst>
+          </a:blip>
+          <a:srcRect t="3056" r="4036" b="10096"/>
+          <a:stretch/>
+        </p:blipFill>
+        <p:spPr>
+          <a:xfrm>
+            <a:off x="1127334" y="1930400"/>
+            <a:ext cx="7306982" cy="3828955"/>
+          </a:xfrm>
+        </p:spPr>
+      </p:pic>
     </p:spTree>
     <p:extLst>
       <p:ext uri="{BB962C8B-B14F-4D97-AF65-F5344CB8AC3E}">
-        <p14:creationId xmlns:p14="http://schemas.microsoft.com/office/powerpoint/2010/main" val="4046548784"/>
+        <p14:creationId xmlns:p14="http://schemas.microsoft.com/office/powerpoint/2010/main" val="247257168"/>
       </p:ext>
     </p:extLst>
   </p:cSld>
@@ -7978,8 +7983,21 @@
                   <a:schemeClr val="tx1"/>
                 </a:solidFill>
               </a:rPr>
-              <a:t>The data stored is then used to analyze and create visualizations using Chart.js</a:t>
-            </a:r>
+              <a:t>The data stored is then used to analyze and create visualizations using </a:t>
+            </a:r>
+            <a:r>
+              <a:rPr lang="en-US" sz="9600" dirty="0" err="1">
+                <a:solidFill>
+                  <a:schemeClr val="tx1"/>
+                </a:solidFill>
+              </a:rPr>
+              <a:t>GoogleCharts</a:t>
+            </a:r>
+            <a:endParaRPr lang="en-US" sz="9600" dirty="0">
+              <a:solidFill>
+                <a:schemeClr val="tx1"/>
+              </a:solidFill>
+            </a:endParaRPr>
           </a:p>
           <a:p>
             <a:pPr>
@@ -8008,7 +8026,7 @@
                   <a:schemeClr val="tx1"/>
                 </a:solidFill>
               </a:rPr>
-              <a:t> Web application is then hosted on Heroku and made available for everyone.</a:t>
+              <a:t> Tried to host Web application on Heroku to be made available for everyone.</a:t>
             </a:r>
           </a:p>
           <a:p>
@@ -8194,7 +8212,7 @@
                   <a:schemeClr val="tx1"/>
                 </a:solidFill>
               </a:rPr>
-              <a:t>Chart.js - To display visualizations of the data and do analysis</a:t>
+              <a:t>Google Charts - To display visualizations of the data and do analysis</a:t>
             </a:r>
           </a:p>
           <a:p>
@@ -8292,7 +8310,7 @@
           <p:cNvPr id="2" name="Title 1">
             <a:extLst>
               <a:ext uri="{FF2B5EF4-FFF2-40B4-BE49-F238E27FC236}">
-                <a16:creationId xmlns:a16="http://schemas.microsoft.com/office/drawing/2014/main" id="{C9D400BD-992A-474C-A5A1-54793D00BAF8}"/>
+                <a16:creationId xmlns:a16="http://schemas.microsoft.com/office/drawing/2014/main" id="{C04025CD-895A-4A7B-ACC5-E1C93A6BA724}"/>
               </a:ext>
             </a:extLst>
           </p:cNvPr>
@@ -8309,19 +8327,52 @@
           <a:lstStyle/>
           <a:p>
             <a:r>
-              <a:rPr lang="en-SG" dirty="0"/>
-              <a:t>Live Link for our project</a:t>
-            </a:r>
-            <a:endParaRPr lang="en-US" dirty="0"/>
+              <a:rPr lang="en-US" dirty="0"/>
+              <a:t>Live Link for our Project</a:t>
+            </a:r>
           </a:p>
         </p:txBody>
       </p:sp>
       <p:pic>
         <p:nvPicPr>
-          <p:cNvPr id="8" name="Picture 7" descr="Logo&#10;&#10;Description automatically generated">
+          <p:cNvPr id="9" name="Content Placeholder 8" descr="Graphical user interface, application, PowerPoint&#10;&#10;Description automatically generated">
             <a:extLst>
               <a:ext uri="{FF2B5EF4-FFF2-40B4-BE49-F238E27FC236}">
-                <a16:creationId xmlns:a16="http://schemas.microsoft.com/office/drawing/2014/main" id="{2390D5F2-96D4-4341-AF9F-7FFFF1290C74}"/>
+                <a16:creationId xmlns:a16="http://schemas.microsoft.com/office/drawing/2014/main" id="{F35DB453-E873-489D-92A3-2B417A959129}"/>
+              </a:ext>
+            </a:extLst>
+          </p:cNvPr>
+          <p:cNvPicPr>
+            <a:picLocks noGrp="1" noChangeAspect="1"/>
+          </p:cNvPicPr>
+          <p:nvPr>
+            <p:ph idx="1"/>
+          </p:nvPr>
+        </p:nvPicPr>
+        <p:blipFill rotWithShape="1">
+          <a:blip r:embed="rId2">
+            <a:extLst>
+              <a:ext uri="{28A0092B-C50C-407E-A947-70E740481C1C}">
+                <a14:useLocalDpi xmlns:a14="http://schemas.microsoft.com/office/drawing/2010/main" val="0"/>
+              </a:ext>
+            </a:extLst>
+          </a:blip>
+          <a:srcRect t="8982" r="4036" b="10096"/>
+          <a:stretch/>
+        </p:blipFill>
+        <p:spPr>
+          <a:xfrm>
+            <a:off x="1127334" y="2191657"/>
+            <a:ext cx="7306982" cy="3567698"/>
+          </a:xfrm>
+        </p:spPr>
+      </p:pic>
+      <p:pic>
+        <p:nvPicPr>
+          <p:cNvPr id="10" name="Picture 9" descr="Logo&#10;&#10;Description automatically generated">
+            <a:extLst>
+              <a:ext uri="{FF2B5EF4-FFF2-40B4-BE49-F238E27FC236}">
+                <a16:creationId xmlns:a16="http://schemas.microsoft.com/office/drawing/2014/main" id="{B9CB038C-2481-4ED4-BD29-4E81C8932B19}"/>
               </a:ext>
             </a:extLst>
           </p:cNvPr>
@@ -8331,11 +8382,11 @@
           <p:nvPr/>
         </p:nvPicPr>
         <p:blipFill>
-          <a:blip r:embed="rId2">
+          <a:blip r:embed="rId3">
             <a:extLst>
               <a:ext uri="{BEBA8EAE-BF5A-486C-A8C5-ECC9F3942E4B}">
                 <a14:imgProps xmlns:a14="http://schemas.microsoft.com/office/drawing/2010/main">
-                  <a14:imgLayer r:embed="rId3">
+                  <a14:imgLayer r:embed="rId4">
                     <a14:imgEffect>
                       <a14:artisticGlowDiffused/>
                     </a14:imgEffect>
@@ -8346,7 +8397,7 @@
                 <a14:useLocalDpi xmlns:a14="http://schemas.microsoft.com/office/drawing/2010/main" val="0"/>
               </a:ext>
               <a:ext uri="{837473B0-CC2E-450A-ABE3-18F120FF3D39}">
-                <a1611:picAttrSrcUrl xmlns:a1611="http://schemas.microsoft.com/office/drawing/2016/11/main" r:id="rId4"/>
+                <a1611:picAttrSrcUrl xmlns:a1611="http://schemas.microsoft.com/office/drawing/2016/11/main" r:id="rId5"/>
               </a:ext>
             </a:extLst>
           </a:blip>
@@ -8364,44 +8415,10 @@
           </a:prstGeom>
         </p:spPr>
       </p:pic>
-      <p:pic>
-        <p:nvPicPr>
-          <p:cNvPr id="9" name="Content Placeholder 8" descr="Graphical user interface, application, PowerPoint&#10;&#10;Description automatically generated">
-            <a:extLst>
-              <a:ext uri="{FF2B5EF4-FFF2-40B4-BE49-F238E27FC236}">
-                <a16:creationId xmlns:a16="http://schemas.microsoft.com/office/drawing/2014/main" id="{7CBDE840-BB4C-4B74-8C97-91077052D618}"/>
-              </a:ext>
-            </a:extLst>
-          </p:cNvPr>
-          <p:cNvPicPr>
-            <a:picLocks noGrp="1" noChangeAspect="1"/>
-          </p:cNvPicPr>
-          <p:nvPr>
-            <p:ph idx="1"/>
-          </p:nvPr>
-        </p:nvPicPr>
-        <p:blipFill rotWithShape="1">
-          <a:blip r:embed="rId5">
-            <a:extLst>
-              <a:ext uri="{28A0092B-C50C-407E-A947-70E740481C1C}">
-                <a14:useLocalDpi xmlns:a14="http://schemas.microsoft.com/office/drawing/2010/main" val="0"/>
-              </a:ext>
-            </a:extLst>
-          </a:blip>
-          <a:srcRect t="3056" r="4036" b="10096"/>
-          <a:stretch/>
-        </p:blipFill>
-        <p:spPr>
-          <a:xfrm>
-            <a:off x="1127334" y="1930400"/>
-            <a:ext cx="7306982" cy="3828955"/>
-          </a:xfrm>
-        </p:spPr>
-      </p:pic>
     </p:spTree>
     <p:extLst>
       <p:ext uri="{BB962C8B-B14F-4D97-AF65-F5344CB8AC3E}">
-        <p14:creationId xmlns:p14="http://schemas.microsoft.com/office/powerpoint/2010/main" val="247257168"/>
+        <p14:creationId xmlns:p14="http://schemas.microsoft.com/office/powerpoint/2010/main" val="4046548784"/>
       </p:ext>
     </p:extLst>
   </p:cSld>
